--- a/Fase 2/Evidencias Proyecto/Presentación Proyecto.pptx
+++ b/Fase 2/Evidencias Proyecto/Presentación Proyecto.pptx
@@ -266,7 +266,7 @@
   </p:defaultTextStyle>
   <p:extLst>
     <p:ext uri="GoogleSlidesCustomDataVersion2">
-      <go:slidesCustomData xmlns:go="http://customooxmlschemas.google.com/" r:id="rId25" roundtripDataSignature="AMtx7mhcV/+ILd2QPwweV1eRFV5Iqt5skw=="/>
+      <go:slidesCustomData xmlns:go="http://customooxmlschemas.google.com/" r:id="rId25" roundtripDataSignature="AMtx7mjj1kf6GJHhFEr7xzjx0VwKKvfYTg=="/>
     </p:ext>
   </p:extLst>
 </p:presentation>
@@ -16003,8 +16003,8 @@
         </p:blipFill>
         <p:spPr>
           <a:xfrm>
-            <a:off x="152400" y="1763825"/>
-            <a:ext cx="11887201" cy="4726507"/>
+            <a:off x="152400" y="1495448"/>
+            <a:ext cx="11887198" cy="4751104"/>
           </a:xfrm>
           <a:prstGeom prst="rect">
             <a:avLst/>
@@ -16056,7 +16056,7 @@
         </p:blipFill>
         <p:spPr>
           <a:xfrm>
-            <a:off x="2263250" y="0"/>
+            <a:off x="2006610" y="0"/>
             <a:ext cx="9928750" cy="6792101"/>
           </a:xfrm>
           <a:prstGeom prst="rect">
@@ -18097,7 +18097,7 @@
             <a:tbl>
               <a:tblPr>
                 <a:noFill/>
-                <a:tableStyleId>{77F7C15A-5304-4A16-9673-24FD53660EA9}</a:tableStyleId>
+                <a:tableStyleId>{D700EB13-3977-4145-9612-E9AE3D83161A}</a:tableStyleId>
               </a:tblPr>
               <a:tblGrid>
                 <a:gridCol w="2171700"/>
@@ -19129,7 +19129,7 @@
             <a:tbl>
               <a:tblPr>
                 <a:noFill/>
-                <a:tableStyleId>{410677F9-8916-4B65-9C2D-DC2F0149B051}</a:tableStyleId>
+                <a:tableStyleId>{D41BE9CA-792B-4E5D-A790-BC525597118B}</a:tableStyleId>
               </a:tblPr>
               <a:tblGrid>
                 <a:gridCol w="2181325"/>
